--- a/前端PPT/javascript 简介.pptx
+++ b/前端PPT/javascript 简介.pptx
@@ -10296,7 +10296,7 @@
         <p:spPr>
           <a:xfrm>
             <a:off x="266065" y="782955"/>
-            <a:ext cx="11402695" cy="5754370"/>
+            <a:ext cx="11402695" cy="6000750"/>
           </a:xfrm>
           <a:prstGeom prst="rect">
             <a:avLst/>
@@ -10689,6 +10689,47 @@
               <a:t>document.getElementByClassName()</a:t>
             </a:r>
             <a:endParaRPr lang="zh-CN" altLang="en-US" sz="1600">
+              <a:latin typeface="宋体" panose="02010600030101010101" pitchFamily="2" charset="-122"/>
+              <a:ea typeface="宋体" panose="02010600030101010101" pitchFamily="2" charset="-122"/>
+              <a:cs typeface="宋体" panose="02010600030101010101" pitchFamily="2" charset="-122"/>
+            </a:endParaRPr>
+          </a:p>
+          <a:p>
+            <a:r>
+              <a:rPr lang="zh-CN" altLang="en-US" sz="1600">
+                <a:latin typeface="宋体" panose="02010600030101010101" pitchFamily="2" charset="-122"/>
+                <a:ea typeface="宋体" panose="02010600030101010101" pitchFamily="2" charset="-122"/>
+                <a:cs typeface="宋体" panose="02010600030101010101" pitchFamily="2" charset="-122"/>
+                <a:sym typeface="+mn-ea"/>
+              </a:rPr>
+              <a:t>document</a:t>
+            </a:r>
+            <a:r>
+              <a:rPr lang="en-US" altLang="zh-CN" sz="1600">
+                <a:latin typeface="宋体" panose="02010600030101010101" pitchFamily="2" charset="-122"/>
+                <a:ea typeface="宋体" panose="02010600030101010101" pitchFamily="2" charset="-122"/>
+                <a:cs typeface="宋体" panose="02010600030101010101" pitchFamily="2" charset="-122"/>
+                <a:sym typeface="+mn-ea"/>
+              </a:rPr>
+              <a:t>.</a:t>
+            </a:r>
+            <a:r>
+              <a:rPr lang="zh-CN" altLang="en-US" sz="1600">
+                <a:latin typeface="宋体" panose="02010600030101010101" pitchFamily="2" charset="-122"/>
+                <a:ea typeface="宋体" panose="02010600030101010101" pitchFamily="2" charset="-122"/>
+                <a:cs typeface="宋体" panose="02010600030101010101" pitchFamily="2" charset="-122"/>
+              </a:rPr>
+              <a:t>getElementsByName</a:t>
+            </a:r>
+            <a:r>
+              <a:rPr lang="en-US" altLang="zh-CN" sz="1600">
+                <a:latin typeface="宋体" panose="02010600030101010101" pitchFamily="2" charset="-122"/>
+                <a:ea typeface="宋体" panose="02010600030101010101" pitchFamily="2" charset="-122"/>
+                <a:cs typeface="宋体" panose="02010600030101010101" pitchFamily="2" charset="-122"/>
+              </a:rPr>
+              <a:t>()</a:t>
+            </a:r>
+            <a:endParaRPr lang="en-US" altLang="zh-CN" sz="1600">
               <a:latin typeface="宋体" panose="02010600030101010101" pitchFamily="2" charset="-122"/>
               <a:ea typeface="宋体" panose="02010600030101010101" pitchFamily="2" charset="-122"/>
               <a:cs typeface="宋体" panose="02010600030101010101" pitchFamily="2" charset="-122"/>

--- a/前端PPT/javascript 简介.pptx
+++ b/前端PPT/javascript 简介.pptx
@@ -5,7 +5,7 @@
     <p:sldMasterId id="2147483648" r:id="rId1"/>
   </p:sldMasterIdLst>
   <p:notesMasterIdLst>
-    <p:notesMasterId r:id="rId23"/>
+    <p:notesMasterId r:id="rId20"/>
   </p:notesMasterIdLst>
   <p:sldIdLst>
     <p:sldId id="660" r:id="rId3"/>
@@ -25,9 +25,9 @@
     <p:sldId id="797" r:id="rId17"/>
     <p:sldId id="825" r:id="rId18"/>
     <p:sldId id="795" r:id="rId19"/>
-    <p:sldId id="798" r:id="rId20"/>
-    <p:sldId id="808" r:id="rId21"/>
-    <p:sldId id="662" r:id="rId22"/>
+    <p:sldId id="798" r:id="rId21"/>
+    <p:sldId id="808" r:id="rId22"/>
+    <p:sldId id="662" r:id="rId23"/>
   </p:sldIdLst>
   <p:sldSz cx="12192000" cy="6858000"/>
   <p:notesSz cx="6858000" cy="9144000"/>
@@ -474,6 +474,50 @@
     </a:lvl9pPr>
   </p:notesStyle>
 </p:notesMaster>
+</file>
+
+<file path=ppt/notesSlides/notesSlide1.xml><?xml version="1.0" encoding="utf-8"?>
+<p:notes xmlns:a="http://schemas.openxmlformats.org/drawingml/2006/main" xmlns:r="http://schemas.openxmlformats.org/officeDocument/2006/relationships" xmlns:p="http://schemas.openxmlformats.org/presentationml/2006/main">
+  <p:cSld>
+    <p:spTree>
+      <p:nvGrpSpPr>
+        <p:cNvPr id="1" name=""/>
+        <p:cNvGrpSpPr/>
+        <p:nvPr/>
+      </p:nvGrpSpPr>
+      <p:grpSpPr/>
+      <p:sp>
+        <p:nvSpPr>
+          <p:cNvPr id="2" name="幻灯片图像占位符 1"/>
+          <p:cNvSpPr/>
+          <p:nvPr>
+            <p:ph type="sldImg" idx="2"/>
+          </p:nvPr>
+        </p:nvSpPr>
+        <p:spPr/>
+      </p:sp>
+      <p:sp>
+        <p:nvSpPr>
+          <p:cNvPr id="3" name="文本占位符 2"/>
+          <p:cNvSpPr/>
+          <p:nvPr>
+            <p:ph type="body" idx="3"/>
+          </p:nvPr>
+        </p:nvSpPr>
+        <p:spPr/>
+        <p:txBody>
+          <a:bodyPr/>
+          <a:p>
+            <a:endParaRPr lang="zh-CN" altLang="en-US"/>
+          </a:p>
+        </p:txBody>
+      </p:sp>
+    </p:spTree>
+  </p:cSld>
+  <p:clrMapOvr>
+    <a:masterClrMapping/>
+  </p:clrMapOvr>
+</p:notes>
 </file>
 
 <file path=ppt/slideLayouts/slideLayout1.xml><?xml version="1.0" encoding="utf-8"?>
@@ -8659,23 +8703,26 @@
                 <a:ea typeface="宋体" panose="02010600030101010101" pitchFamily="2" charset="-122"/>
                 <a:cs typeface="宋体" panose="02010600030101010101" pitchFamily="2" charset="-122"/>
               </a:rPr>
-              <a:t>jQ</a:t>
-            </a:r>
-            <a:r>
-              <a:rPr lang="en-US" altLang="zh-CN" sz="1600">
-                <a:latin typeface="宋体" panose="02010600030101010101" pitchFamily="2" charset="-122"/>
-                <a:ea typeface="宋体" panose="02010600030101010101" pitchFamily="2" charset="-122"/>
-                <a:cs typeface="宋体" panose="02010600030101010101" pitchFamily="2" charset="-122"/>
-              </a:rPr>
-              <a:t>uery </a:t>
-            </a:r>
-            <a:r>
-              <a:rPr lang="zh-CN" altLang="en-US" sz="1600">
-                <a:latin typeface="宋体" panose="02010600030101010101" pitchFamily="2" charset="-122"/>
-                <a:ea typeface="宋体" panose="02010600030101010101" pitchFamily="2" charset="-122"/>
-                <a:cs typeface="宋体" panose="02010600030101010101" pitchFamily="2" charset="-122"/>
-              </a:rPr>
-              <a:t>中文文档：https://jquery.cuishifeng.cn/index.html</a:t>
+              <a:t>jQuery </a:t>
+            </a:r>
+            <a:r>
+              <a:rPr lang="zh-CN" altLang="en-US" sz="1600">
+                <a:latin typeface="宋体" panose="02010600030101010101" pitchFamily="2" charset="-122"/>
+                <a:ea typeface="宋体" panose="02010600030101010101" pitchFamily="2" charset="-122"/>
+                <a:cs typeface="宋体" panose="02010600030101010101" pitchFamily="2" charset="-122"/>
+              </a:rPr>
+              <a:t>中文文档：</a:t>
+            </a:r>
+            <a:r>
+              <a:rPr lang="zh-CN" altLang="en-US" sz="1600" b="1">
+                <a:solidFill>
+                  <a:srgbClr val="FF0000"/>
+                </a:solidFill>
+                <a:latin typeface="宋体" panose="02010600030101010101" pitchFamily="2" charset="-122"/>
+                <a:ea typeface="宋体" panose="02010600030101010101" pitchFamily="2" charset="-122"/>
+                <a:cs typeface="宋体" panose="02010600030101010101" pitchFamily="2" charset="-122"/>
+              </a:rPr>
+              <a:t>https://jquery.cuishifeng.cn/index.html</a:t>
             </a:r>
             <a:endParaRPr lang="zh-CN" altLang="en-US" sz="1600">
               <a:latin typeface="宋体" panose="02010600030101010101" pitchFamily="2" charset="-122"/>

--- a/前端PPT/javascript 简介.pptx
+++ b/前端PPT/javascript 简介.pptx
@@ -5,7 +5,7 @@
     <p:sldMasterId id="2147483648" r:id="rId1"/>
   </p:sldMasterIdLst>
   <p:notesMasterIdLst>
-    <p:notesMasterId r:id="rId20"/>
+    <p:notesMasterId r:id="rId14"/>
   </p:notesMasterIdLst>
   <p:sldIdLst>
     <p:sldId id="660" r:id="rId3"/>
@@ -19,12 +19,12 @@
     <p:sldId id="772" r:id="rId11"/>
     <p:sldId id="791" r:id="rId12"/>
     <p:sldId id="827" r:id="rId13"/>
-    <p:sldId id="845" r:id="rId14"/>
-    <p:sldId id="796" r:id="rId15"/>
-    <p:sldId id="828" r:id="rId16"/>
-    <p:sldId id="797" r:id="rId17"/>
-    <p:sldId id="825" r:id="rId18"/>
-    <p:sldId id="795" r:id="rId19"/>
+    <p:sldId id="845" r:id="rId15"/>
+    <p:sldId id="796" r:id="rId16"/>
+    <p:sldId id="828" r:id="rId17"/>
+    <p:sldId id="797" r:id="rId18"/>
+    <p:sldId id="825" r:id="rId19"/>
+    <p:sldId id="795" r:id="rId20"/>
     <p:sldId id="798" r:id="rId21"/>
     <p:sldId id="808" r:id="rId22"/>
     <p:sldId id="662" r:id="rId23"/>
@@ -477,6 +477,50 @@
 </file>
 
 <file path=ppt/notesSlides/notesSlide1.xml><?xml version="1.0" encoding="utf-8"?>
+<p:notes xmlns:a="http://schemas.openxmlformats.org/drawingml/2006/main" xmlns:r="http://schemas.openxmlformats.org/officeDocument/2006/relationships" xmlns:p="http://schemas.openxmlformats.org/presentationml/2006/main">
+  <p:cSld>
+    <p:spTree>
+      <p:nvGrpSpPr>
+        <p:cNvPr id="1" name=""/>
+        <p:cNvGrpSpPr/>
+        <p:nvPr/>
+      </p:nvGrpSpPr>
+      <p:grpSpPr/>
+      <p:sp>
+        <p:nvSpPr>
+          <p:cNvPr id="2" name="幻灯片图像占位符 1"/>
+          <p:cNvSpPr/>
+          <p:nvPr>
+            <p:ph type="sldImg" idx="2"/>
+          </p:nvPr>
+        </p:nvSpPr>
+        <p:spPr/>
+      </p:sp>
+      <p:sp>
+        <p:nvSpPr>
+          <p:cNvPr id="3" name="文本占位符 2"/>
+          <p:cNvSpPr/>
+          <p:nvPr>
+            <p:ph type="body" idx="3"/>
+          </p:nvPr>
+        </p:nvSpPr>
+        <p:spPr/>
+        <p:txBody>
+          <a:bodyPr/>
+          <a:p>
+            <a:endParaRPr lang="zh-CN" altLang="en-US"/>
+          </a:p>
+        </p:txBody>
+      </p:sp>
+    </p:spTree>
+  </p:cSld>
+  <p:clrMapOvr>
+    <a:masterClrMapping/>
+  </p:clrMapOvr>
+</p:notes>
+</file>
+
+<file path=ppt/notesSlides/notesSlide2.xml><?xml version="1.0" encoding="utf-8"?>
 <p:notes xmlns:a="http://schemas.openxmlformats.org/drawingml/2006/main" xmlns:r="http://schemas.openxmlformats.org/officeDocument/2006/relationships" xmlns:p="http://schemas.openxmlformats.org/presentationml/2006/main">
   <p:cSld>
     <p:spTree>
@@ -7727,12 +7771,42 @@
           </a:p>
           <a:p>
             <a:r>
-              <a:rPr lang="zh-CN" altLang="en-US" sz="1600">
-                <a:latin typeface="宋体" panose="02010600030101010101" pitchFamily="2" charset="-122"/>
-                <a:ea typeface="宋体" panose="02010600030101010101" pitchFamily="2" charset="-122"/>
-                <a:cs typeface="宋体" panose="02010600030101010101" pitchFamily="2" charset="-122"/>
-              </a:rPr>
-              <a:t>UI事件，焦点事件，鼠标与滚轮事件，键盘与文本事件，复合事件变动事件，HTML5事件设备事件，触摸与手势事件。</a:t>
+              <a:rPr lang="zh-CN" altLang="en-US" sz="1600" b="1">
+                <a:solidFill>
+                  <a:srgbClr val="FF0000"/>
+                </a:solidFill>
+                <a:latin typeface="宋体" panose="02010600030101010101" pitchFamily="2" charset="-122"/>
+                <a:ea typeface="宋体" panose="02010600030101010101" pitchFamily="2" charset="-122"/>
+                <a:cs typeface="宋体" panose="02010600030101010101" pitchFamily="2" charset="-122"/>
+              </a:rPr>
+              <a:t>UI事件，焦点事件，鼠标与滚轮事件，键盘与文本事件，复合事件变动事件</a:t>
+            </a:r>
+            <a:r>
+              <a:rPr lang="zh-CN" altLang="en-US" sz="1600">
+                <a:latin typeface="宋体" panose="02010600030101010101" pitchFamily="2" charset="-122"/>
+                <a:ea typeface="宋体" panose="02010600030101010101" pitchFamily="2" charset="-122"/>
+                <a:cs typeface="宋体" panose="02010600030101010101" pitchFamily="2" charset="-122"/>
+              </a:rPr>
+              <a:t>，HTML5事件设备事件，</a:t>
+            </a:r>
+            <a:r>
+              <a:rPr lang="zh-CN" altLang="en-US" sz="1600" b="1">
+                <a:solidFill>
+                  <a:srgbClr val="FF0000"/>
+                </a:solidFill>
+                <a:latin typeface="宋体" panose="02010600030101010101" pitchFamily="2" charset="-122"/>
+                <a:ea typeface="宋体" panose="02010600030101010101" pitchFamily="2" charset="-122"/>
+                <a:cs typeface="宋体" panose="02010600030101010101" pitchFamily="2" charset="-122"/>
+              </a:rPr>
+              <a:t>触摸与手势事件</a:t>
+            </a:r>
+            <a:r>
+              <a:rPr lang="zh-CN" altLang="en-US" sz="1600">
+                <a:latin typeface="宋体" panose="02010600030101010101" pitchFamily="2" charset="-122"/>
+                <a:ea typeface="宋体" panose="02010600030101010101" pitchFamily="2" charset="-122"/>
+                <a:cs typeface="宋体" panose="02010600030101010101" pitchFamily="2" charset="-122"/>
+              </a:rPr>
+              <a:t>。</a:t>
             </a:r>
             <a:endParaRPr lang="zh-CN" altLang="en-US" sz="1600">
               <a:latin typeface="宋体" panose="02010600030101010101" pitchFamily="2" charset="-122"/>
@@ -8853,59 +8927,83 @@
           </a:p>
           <a:p>
             <a:r>
-              <a:rPr lang="zh-CN" altLang="en-US" sz="1600">
+              <a:rPr lang="zh-CN" altLang="en-US" sz="1600" b="1">
+                <a:solidFill>
+                  <a:srgbClr val="FF0000"/>
+                </a:solidFill>
                 <a:latin typeface="宋体" panose="02010600030101010101" pitchFamily="2" charset="-122"/>
                 <a:ea typeface="宋体" panose="02010600030101010101" pitchFamily="2" charset="-122"/>
                 <a:cs typeface="宋体" panose="02010600030101010101" pitchFamily="2" charset="-122"/>
               </a:rPr>
               <a:t>基础语法： $(selector).action()</a:t>
             </a:r>
-            <a:endParaRPr lang="zh-CN" altLang="en-US" sz="1600">
-              <a:latin typeface="宋体" panose="02010600030101010101" pitchFamily="2" charset="-122"/>
-              <a:ea typeface="宋体" panose="02010600030101010101" pitchFamily="2" charset="-122"/>
-              <a:cs typeface="宋体" panose="02010600030101010101" pitchFamily="2" charset="-122"/>
-            </a:endParaRPr>
-          </a:p>
-          <a:p>
-            <a:r>
-              <a:rPr lang="zh-CN" altLang="en-US" sz="1600">
+            <a:endParaRPr lang="zh-CN" altLang="en-US" sz="1600" b="1">
+              <a:solidFill>
+                <a:srgbClr val="FF0000"/>
+              </a:solidFill>
+              <a:latin typeface="宋体" panose="02010600030101010101" pitchFamily="2" charset="-122"/>
+              <a:ea typeface="宋体" panose="02010600030101010101" pitchFamily="2" charset="-122"/>
+              <a:cs typeface="宋体" panose="02010600030101010101" pitchFamily="2" charset="-122"/>
+            </a:endParaRPr>
+          </a:p>
+          <a:p>
+            <a:r>
+              <a:rPr lang="zh-CN" altLang="en-US" sz="1600" b="1">
+                <a:solidFill>
+                  <a:srgbClr val="FF0000"/>
+                </a:solidFill>
                 <a:latin typeface="宋体" panose="02010600030101010101" pitchFamily="2" charset="-122"/>
                 <a:ea typeface="宋体" panose="02010600030101010101" pitchFamily="2" charset="-122"/>
                 <a:cs typeface="宋体" panose="02010600030101010101" pitchFamily="2" charset="-122"/>
               </a:rPr>
               <a:t>美元符号定义 jQuery</a:t>
             </a:r>
-            <a:endParaRPr lang="zh-CN" altLang="en-US" sz="1600">
-              <a:latin typeface="宋体" panose="02010600030101010101" pitchFamily="2" charset="-122"/>
-              <a:ea typeface="宋体" panose="02010600030101010101" pitchFamily="2" charset="-122"/>
-              <a:cs typeface="宋体" panose="02010600030101010101" pitchFamily="2" charset="-122"/>
-            </a:endParaRPr>
-          </a:p>
-          <a:p>
-            <a:r>
-              <a:rPr lang="zh-CN" altLang="en-US" sz="1600">
+            <a:endParaRPr lang="zh-CN" altLang="en-US" sz="1600" b="1">
+              <a:solidFill>
+                <a:srgbClr val="FF0000"/>
+              </a:solidFill>
+              <a:latin typeface="宋体" panose="02010600030101010101" pitchFamily="2" charset="-122"/>
+              <a:ea typeface="宋体" panose="02010600030101010101" pitchFamily="2" charset="-122"/>
+              <a:cs typeface="宋体" panose="02010600030101010101" pitchFamily="2" charset="-122"/>
+            </a:endParaRPr>
+          </a:p>
+          <a:p>
+            <a:r>
+              <a:rPr lang="zh-CN" altLang="en-US" sz="1600" b="1">
+                <a:solidFill>
+                  <a:srgbClr val="FF0000"/>
+                </a:solidFill>
                 <a:latin typeface="宋体" panose="02010600030101010101" pitchFamily="2" charset="-122"/>
                 <a:ea typeface="宋体" panose="02010600030101010101" pitchFamily="2" charset="-122"/>
                 <a:cs typeface="宋体" panose="02010600030101010101" pitchFamily="2" charset="-122"/>
               </a:rPr>
               <a:t>选择符（selector）"查询"和"查找" HTML 元素</a:t>
             </a:r>
-            <a:endParaRPr lang="zh-CN" altLang="en-US" sz="1600">
-              <a:latin typeface="宋体" panose="02010600030101010101" pitchFamily="2" charset="-122"/>
-              <a:ea typeface="宋体" panose="02010600030101010101" pitchFamily="2" charset="-122"/>
-              <a:cs typeface="宋体" panose="02010600030101010101" pitchFamily="2" charset="-122"/>
-            </a:endParaRPr>
-          </a:p>
-          <a:p>
-            <a:r>
-              <a:rPr lang="zh-CN" altLang="en-US" sz="1600">
+            <a:endParaRPr lang="zh-CN" altLang="en-US" sz="1600" b="1">
+              <a:solidFill>
+                <a:srgbClr val="FF0000"/>
+              </a:solidFill>
+              <a:latin typeface="宋体" panose="02010600030101010101" pitchFamily="2" charset="-122"/>
+              <a:ea typeface="宋体" panose="02010600030101010101" pitchFamily="2" charset="-122"/>
+              <a:cs typeface="宋体" panose="02010600030101010101" pitchFamily="2" charset="-122"/>
+            </a:endParaRPr>
+          </a:p>
+          <a:p>
+            <a:r>
+              <a:rPr lang="zh-CN" altLang="en-US" sz="1600" b="1">
+                <a:solidFill>
+                  <a:srgbClr val="FF0000"/>
+                </a:solidFill>
                 <a:latin typeface="宋体" panose="02010600030101010101" pitchFamily="2" charset="-122"/>
                 <a:ea typeface="宋体" panose="02010600030101010101" pitchFamily="2" charset="-122"/>
                 <a:cs typeface="宋体" panose="02010600030101010101" pitchFamily="2" charset="-122"/>
               </a:rPr>
               <a:t>jQuery 的 action() 执行对元素的操作</a:t>
             </a:r>
-            <a:endParaRPr lang="zh-CN" altLang="en-US" sz="1600">
+            <a:endParaRPr lang="zh-CN" altLang="en-US" sz="1600" b="1">
+              <a:solidFill>
+                <a:srgbClr val="FF0000"/>
+              </a:solidFill>
               <a:latin typeface="宋体" panose="02010600030101010101" pitchFamily="2" charset="-122"/>
               <a:ea typeface="宋体" panose="02010600030101010101" pitchFamily="2" charset="-122"/>
               <a:cs typeface="宋体" panose="02010600030101010101" pitchFamily="2" charset="-122"/>
@@ -9192,7 +9290,10 @@
               </a:lnSpc>
             </a:pPr>
             <a:r>
-              <a:rPr lang="zh-CN" altLang="en-US" sz="1600">
+              <a:rPr lang="zh-CN" altLang="en-US" sz="1600" b="1">
+                <a:solidFill>
+                  <a:srgbClr val="FF0000"/>
+                </a:solidFill>
                 <a:latin typeface="宋体" panose="02010600030101010101" pitchFamily="2" charset="-122"/>
                 <a:ea typeface="宋体" panose="02010600030101010101" pitchFamily="2" charset="-122"/>
                 <a:cs typeface="宋体" panose="02010600030101010101" pitchFamily="2" charset="-122"/>
@@ -9200,7 +9301,10 @@
               </a:rPr>
               <a:t>var $variable = jQuery 对象</a:t>
             </a:r>
-            <a:endParaRPr lang="zh-CN" altLang="en-US" sz="1600">
+            <a:endParaRPr lang="zh-CN" altLang="en-US" sz="1600" b="1">
+              <a:solidFill>
+                <a:srgbClr val="FF0000"/>
+              </a:solidFill>
               <a:latin typeface="宋体" panose="02010600030101010101" pitchFamily="2" charset="-122"/>
               <a:ea typeface="宋体" panose="02010600030101010101" pitchFamily="2" charset="-122"/>
               <a:cs typeface="宋体" panose="02010600030101010101" pitchFamily="2" charset="-122"/>
@@ -9213,7 +9317,10 @@
               </a:lnSpc>
             </a:pPr>
             <a:r>
-              <a:rPr lang="zh-CN" altLang="en-US" sz="1600">
+              <a:rPr lang="zh-CN" altLang="en-US" sz="1600" b="1">
+                <a:solidFill>
+                  <a:srgbClr val="FF0000"/>
+                </a:solidFill>
                 <a:latin typeface="宋体" panose="02010600030101010101" pitchFamily="2" charset="-122"/>
                 <a:ea typeface="宋体" panose="02010600030101010101" pitchFamily="2" charset="-122"/>
                 <a:cs typeface="宋体" panose="02010600030101010101" pitchFamily="2" charset="-122"/>
@@ -9221,7 +9328,10 @@
               </a:rPr>
               <a:t>var variable = DOM 对象</a:t>
             </a:r>
-            <a:endParaRPr lang="zh-CN" altLang="en-US" sz="1600">
+            <a:endParaRPr lang="zh-CN" altLang="en-US" sz="1600" b="1">
+              <a:solidFill>
+                <a:srgbClr val="FF0000"/>
+              </a:solidFill>
               <a:latin typeface="宋体" panose="02010600030101010101" pitchFamily="2" charset="-122"/>
               <a:ea typeface="宋体" panose="02010600030101010101" pitchFamily="2" charset="-122"/>
               <a:cs typeface="宋体" panose="02010600030101010101" pitchFamily="2" charset="-122"/>
@@ -9418,7 +9528,26 @@
                 <a:ea typeface="宋体" panose="02010600030101010101" pitchFamily="2" charset="-122"/>
                 <a:cs typeface="宋体" panose="02010600030101010101" pitchFamily="2" charset="-122"/>
               </a:rPr>
-              <a:t>let student = $students[0];//DOM对象</a:t>
+              <a:t>let student = $students</a:t>
+            </a:r>
+            <a:r>
+              <a:rPr lang="zh-CN" altLang="en-US" sz="1600" b="1">
+                <a:solidFill>
+                  <a:srgbClr val="FF0000"/>
+                </a:solidFill>
+                <a:latin typeface="宋体" panose="02010600030101010101" pitchFamily="2" charset="-122"/>
+                <a:ea typeface="宋体" panose="02010600030101010101" pitchFamily="2" charset="-122"/>
+                <a:cs typeface="宋体" panose="02010600030101010101" pitchFamily="2" charset="-122"/>
+              </a:rPr>
+              <a:t>[0]</a:t>
+            </a:r>
+            <a:r>
+              <a:rPr lang="zh-CN" altLang="en-US" sz="1600">
+                <a:latin typeface="宋体" panose="02010600030101010101" pitchFamily="2" charset="-122"/>
+                <a:ea typeface="宋体" panose="02010600030101010101" pitchFamily="2" charset="-122"/>
+                <a:cs typeface="宋体" panose="02010600030101010101" pitchFamily="2" charset="-122"/>
+              </a:rPr>
+              <a:t>;//DOM对象</a:t>
             </a:r>
             <a:endParaRPr lang="zh-CN" altLang="en-US" sz="1600">
               <a:latin typeface="宋体" panose="02010600030101010101" pitchFamily="2" charset="-122"/>
@@ -9441,7 +9570,26 @@
                 <a:ea typeface="宋体" panose="02010600030101010101" pitchFamily="2" charset="-122"/>
                 <a:cs typeface="宋体" panose="02010600030101010101" pitchFamily="2" charset="-122"/>
               </a:rPr>
-              <a:t>另一种方法是jQuery本身提供的，通过get(index)方法得到相应的DOM对象</a:t>
+              <a:t>另一种方法是jQuery本身提供的，通过</a:t>
+            </a:r>
+            <a:r>
+              <a:rPr lang="zh-CN" altLang="en-US" sz="1600" b="1">
+                <a:solidFill>
+                  <a:srgbClr val="FF0000"/>
+                </a:solidFill>
+                <a:latin typeface="宋体" panose="02010600030101010101" pitchFamily="2" charset="-122"/>
+                <a:ea typeface="宋体" panose="02010600030101010101" pitchFamily="2" charset="-122"/>
+                <a:cs typeface="宋体" panose="02010600030101010101" pitchFamily="2" charset="-122"/>
+              </a:rPr>
+              <a:t>get(index)方法</a:t>
+            </a:r>
+            <a:r>
+              <a:rPr lang="zh-CN" altLang="en-US" sz="1600">
+                <a:latin typeface="宋体" panose="02010600030101010101" pitchFamily="2" charset="-122"/>
+                <a:ea typeface="宋体" panose="02010600030101010101" pitchFamily="2" charset="-122"/>
+                <a:cs typeface="宋体" panose="02010600030101010101" pitchFamily="2" charset="-122"/>
+              </a:rPr>
+              <a:t>得到相应的DOM对象</a:t>
             </a:r>
             <a:endParaRPr lang="zh-CN" altLang="en-US" sz="1600">
               <a:latin typeface="宋体" panose="02010600030101010101" pitchFamily="2" charset="-122"/>
@@ -9754,7 +9902,10 @@
           </a:p>
           <a:p>
             <a:r>
-              <a:rPr lang="en-US" altLang="zh-CN" sz="1600">
+              <a:rPr lang="en-US" altLang="zh-CN" sz="1600" b="1">
+                <a:solidFill>
+                  <a:srgbClr val="FF0000"/>
+                </a:solidFill>
                 <a:latin typeface="宋体" panose="02010600030101010101" pitchFamily="2" charset="-122"/>
                 <a:ea typeface="宋体" panose="02010600030101010101" pitchFamily="2" charset="-122"/>
                 <a:cs typeface="宋体" panose="02010600030101010101" pitchFamily="2" charset="-122"/>
@@ -9762,7 +9913,10 @@
               <a:t>1.</a:t>
             </a:r>
             <a:r>
-              <a:rPr lang="zh-CN" altLang="en-US" sz="1600">
+              <a:rPr lang="zh-CN" altLang="en-US" sz="1600" b="1">
+                <a:solidFill>
+                  <a:srgbClr val="FF0000"/>
+                </a:solidFill>
                 <a:latin typeface="宋体" panose="02010600030101010101" pitchFamily="2" charset="-122"/>
                 <a:ea typeface="宋体" panose="02010600030101010101" pitchFamily="2" charset="-122"/>
                 <a:cs typeface="宋体" panose="02010600030101010101" pitchFamily="2" charset="-122"/>
@@ -9770,13 +9924,112 @@
               <a:t>行内式</a:t>
             </a:r>
             <a:r>
-              <a:rPr lang="en-US" altLang="zh-CN" sz="1600">
+              <a:rPr lang="en-US" altLang="zh-CN" sz="1600" b="1">
+                <a:solidFill>
+                  <a:srgbClr val="FF0000"/>
+                </a:solidFill>
                 <a:latin typeface="宋体" panose="02010600030101010101" pitchFamily="2" charset="-122"/>
                 <a:ea typeface="宋体" panose="02010600030101010101" pitchFamily="2" charset="-122"/>
                 <a:cs typeface="宋体" panose="02010600030101010101" pitchFamily="2" charset="-122"/>
               </a:rPr>
               <a:t>：在html代码中添加</a:t>
             </a:r>
+            <a:endParaRPr lang="en-US" altLang="zh-CN" sz="1600" b="1">
+              <a:solidFill>
+                <a:srgbClr val="FF0000"/>
+              </a:solidFill>
+              <a:latin typeface="宋体" panose="02010600030101010101" pitchFamily="2" charset="-122"/>
+              <a:ea typeface="宋体" panose="02010600030101010101" pitchFamily="2" charset="-122"/>
+              <a:cs typeface="宋体" panose="02010600030101010101" pitchFamily="2" charset="-122"/>
+            </a:endParaRPr>
+          </a:p>
+          <a:p>
+            <a:r>
+              <a:rPr lang="en-US" altLang="zh-CN" sz="1600" b="1">
+                <a:solidFill>
+                  <a:srgbClr val="FF0000"/>
+                </a:solidFill>
+                <a:latin typeface="宋体" panose="02010600030101010101" pitchFamily="2" charset="-122"/>
+                <a:ea typeface="宋体" panose="02010600030101010101" pitchFamily="2" charset="-122"/>
+                <a:cs typeface="宋体" panose="02010600030101010101" pitchFamily="2" charset="-122"/>
+              </a:rPr>
+              <a:t>2.</a:t>
+            </a:r>
+            <a:r>
+              <a:rPr lang="zh-CN" altLang="en-US" sz="1600" b="1">
+                <a:solidFill>
+                  <a:srgbClr val="FF0000"/>
+                </a:solidFill>
+                <a:latin typeface="宋体" panose="02010600030101010101" pitchFamily="2" charset="-122"/>
+                <a:ea typeface="宋体" panose="02010600030101010101" pitchFamily="2" charset="-122"/>
+                <a:cs typeface="宋体" panose="02010600030101010101" pitchFamily="2" charset="-122"/>
+              </a:rPr>
+              <a:t>嵌入式</a:t>
+            </a:r>
+            <a:r>
+              <a:rPr lang="en-US" altLang="zh-CN" sz="1600" b="1">
+                <a:solidFill>
+                  <a:srgbClr val="FF0000"/>
+                </a:solidFill>
+                <a:latin typeface="宋体" panose="02010600030101010101" pitchFamily="2" charset="-122"/>
+                <a:ea typeface="宋体" panose="02010600030101010101" pitchFamily="2" charset="-122"/>
+                <a:cs typeface="宋体" panose="02010600030101010101" pitchFamily="2" charset="-122"/>
+              </a:rPr>
+              <a:t>：在head标签中添加</a:t>
+            </a:r>
+            <a:endParaRPr lang="en-US" altLang="zh-CN" sz="1600" b="1">
+              <a:solidFill>
+                <a:srgbClr val="FF0000"/>
+              </a:solidFill>
+              <a:latin typeface="宋体" panose="02010600030101010101" pitchFamily="2" charset="-122"/>
+              <a:ea typeface="宋体" panose="02010600030101010101" pitchFamily="2" charset="-122"/>
+              <a:cs typeface="宋体" panose="02010600030101010101" pitchFamily="2" charset="-122"/>
+            </a:endParaRPr>
+          </a:p>
+          <a:p>
+            <a:r>
+              <a:rPr lang="en-US" altLang="zh-CN" sz="1600" b="1">
+                <a:solidFill>
+                  <a:srgbClr val="FF0000"/>
+                </a:solidFill>
+                <a:latin typeface="宋体" panose="02010600030101010101" pitchFamily="2" charset="-122"/>
+                <a:ea typeface="宋体" panose="02010600030101010101" pitchFamily="2" charset="-122"/>
+                <a:cs typeface="宋体" panose="02010600030101010101" pitchFamily="2" charset="-122"/>
+              </a:rPr>
+              <a:t>3.外链</a:t>
+            </a:r>
+            <a:r>
+              <a:rPr lang="zh-CN" altLang="en-US" sz="1600" b="1">
+                <a:solidFill>
+                  <a:srgbClr val="FF0000"/>
+                </a:solidFill>
+                <a:latin typeface="宋体" panose="02010600030101010101" pitchFamily="2" charset="-122"/>
+                <a:ea typeface="宋体" panose="02010600030101010101" pitchFamily="2" charset="-122"/>
+                <a:cs typeface="宋体" panose="02010600030101010101" pitchFamily="2" charset="-122"/>
+              </a:rPr>
+              <a:t>式</a:t>
+            </a:r>
+            <a:r>
+              <a:rPr lang="en-US" altLang="zh-CN" sz="1600" b="1">
+                <a:solidFill>
+                  <a:srgbClr val="FF0000"/>
+                </a:solidFill>
+                <a:latin typeface="宋体" panose="02010600030101010101" pitchFamily="2" charset="-122"/>
+                <a:ea typeface="宋体" panose="02010600030101010101" pitchFamily="2" charset="-122"/>
+                <a:cs typeface="宋体" panose="02010600030101010101" pitchFamily="2" charset="-122"/>
+              </a:rPr>
+              <a:t>：在head标签中写一个链接，类似css</a:t>
+            </a:r>
+            <a:endParaRPr lang="en-US" altLang="zh-CN" sz="1600" b="1">
+              <a:solidFill>
+                <a:srgbClr val="FF0000"/>
+              </a:solidFill>
+              <a:latin typeface="宋体" panose="02010600030101010101" pitchFamily="2" charset="-122"/>
+              <a:ea typeface="宋体" panose="02010600030101010101" pitchFamily="2" charset="-122"/>
+              <a:cs typeface="宋体" panose="02010600030101010101" pitchFamily="2" charset="-122"/>
+            </a:endParaRPr>
+          </a:p>
+          <a:p>
             <a:endParaRPr lang="en-US" altLang="zh-CN" sz="1600">
               <a:latin typeface="宋体" panose="02010600030101010101" pitchFamily="2" charset="-122"/>
               <a:ea typeface="宋体" panose="02010600030101010101" pitchFamily="2" charset="-122"/>
@@ -9785,28 +10038,23 @@
           </a:p>
           <a:p>
             <a:r>
-              <a:rPr lang="en-US" altLang="zh-CN" sz="1600">
-                <a:latin typeface="宋体" panose="02010600030101010101" pitchFamily="2" charset="-122"/>
-                <a:ea typeface="宋体" panose="02010600030101010101" pitchFamily="2" charset="-122"/>
-                <a:cs typeface="宋体" panose="02010600030101010101" pitchFamily="2" charset="-122"/>
-              </a:rPr>
-              <a:t>2.</a:t>
-            </a:r>
-            <a:r>
-              <a:rPr lang="zh-CN" altLang="en-US" sz="1600">
-                <a:latin typeface="宋体" panose="02010600030101010101" pitchFamily="2" charset="-122"/>
-                <a:ea typeface="宋体" panose="02010600030101010101" pitchFamily="2" charset="-122"/>
-                <a:cs typeface="宋体" panose="02010600030101010101" pitchFamily="2" charset="-122"/>
-              </a:rPr>
-              <a:t>嵌入式</a:t>
-            </a:r>
-            <a:r>
-              <a:rPr lang="en-US" altLang="zh-CN" sz="1600">
-                <a:latin typeface="宋体" panose="02010600030101010101" pitchFamily="2" charset="-122"/>
-                <a:ea typeface="宋体" panose="02010600030101010101" pitchFamily="2" charset="-122"/>
-                <a:cs typeface="宋体" panose="02010600030101010101" pitchFamily="2" charset="-122"/>
-              </a:rPr>
-              <a:t>：在head标签中添加</a:t>
+              <a:rPr lang="en-US" altLang="zh-CN" sz="1600" b="1">
+                <a:solidFill>
+                  <a:srgbClr val="FF0000"/>
+                </a:solidFill>
+                <a:latin typeface="宋体" panose="02010600030101010101" pitchFamily="2" charset="-122"/>
+                <a:ea typeface="宋体" panose="02010600030101010101" pitchFamily="2" charset="-122"/>
+                <a:cs typeface="宋体" panose="02010600030101010101" pitchFamily="2" charset="-122"/>
+              </a:rPr>
+              <a:t>window.onload</a:t>
+            </a:r>
+            <a:r>
+              <a:rPr lang="en-US" altLang="zh-CN" sz="1600">
+                <a:latin typeface="宋体" panose="02010600030101010101" pitchFamily="2" charset="-122"/>
+                <a:ea typeface="宋体" panose="02010600030101010101" pitchFamily="2" charset="-122"/>
+                <a:cs typeface="宋体" panose="02010600030101010101" pitchFamily="2" charset="-122"/>
+              </a:rPr>
+              <a:t>() 方法用于在网页加载完毕后立刻执行的操作，即当 HTML 文档加载完毕后，立刻执行某个方法。</a:t>
             </a:r>
             <a:endParaRPr lang="en-US" altLang="zh-CN" sz="1600">
               <a:latin typeface="宋体" panose="02010600030101010101" pitchFamily="2" charset="-122"/>
@@ -9821,23 +10069,7 @@
                 <a:ea typeface="宋体" panose="02010600030101010101" pitchFamily="2" charset="-122"/>
                 <a:cs typeface="宋体" panose="02010600030101010101" pitchFamily="2" charset="-122"/>
               </a:rPr>
-              <a:t>3.外链</a:t>
-            </a:r>
-            <a:r>
-              <a:rPr lang="zh-CN" altLang="en-US" sz="1600">
-                <a:latin typeface="宋体" panose="02010600030101010101" pitchFamily="2" charset="-122"/>
-                <a:ea typeface="宋体" panose="02010600030101010101" pitchFamily="2" charset="-122"/>
-                <a:cs typeface="宋体" panose="02010600030101010101" pitchFamily="2" charset="-122"/>
-              </a:rPr>
-              <a:t>式</a:t>
-            </a:r>
-            <a:r>
-              <a:rPr lang="en-US" altLang="zh-CN" sz="1600">
-                <a:latin typeface="宋体" panose="02010600030101010101" pitchFamily="2" charset="-122"/>
-                <a:ea typeface="宋体" panose="02010600030101010101" pitchFamily="2" charset="-122"/>
-                <a:cs typeface="宋体" panose="02010600030101010101" pitchFamily="2" charset="-122"/>
-              </a:rPr>
-              <a:t>：在head标签中写一个链接，类似css</a:t>
+              <a:t>window.onload() 通常用于 &lt;body&gt; 元素，在页面完全载入后(包括图片、css文件等等)执行脚本代码。</a:t>
             </a:r>
             <a:endParaRPr lang="en-US" altLang="zh-CN" sz="1600">
               <a:latin typeface="宋体" panose="02010600030101010101" pitchFamily="2" charset="-122"/>
@@ -9859,7 +10091,7 @@
                 <a:ea typeface="宋体" panose="02010600030101010101" pitchFamily="2" charset="-122"/>
                 <a:cs typeface="宋体" panose="02010600030101010101" pitchFamily="2" charset="-122"/>
               </a:rPr>
-              <a:t>window.onload() 方法用于在网页加载完毕后立刻执行的操作，即当 HTML 文档加载完毕后，立刻执行某个方法。</a:t>
+              <a:t>为什么使用 window.onload()?</a:t>
             </a:r>
             <a:endParaRPr lang="en-US" altLang="zh-CN" sz="1600">
               <a:latin typeface="宋体" panose="02010600030101010101" pitchFamily="2" charset="-122"/>
@@ -9874,7 +10106,7 @@
                 <a:ea typeface="宋体" panose="02010600030101010101" pitchFamily="2" charset="-122"/>
                 <a:cs typeface="宋体" panose="02010600030101010101" pitchFamily="2" charset="-122"/>
               </a:rPr>
-              <a:t>window.onload() 通常用于 &lt;body&gt; 元素，在页面完全载入后(包括图片、css文件等等)执行脚本代码。</a:t>
+              <a:t>因为 JavaScript 中的函数方法需要在 HTML 文档渲染完成后才可以使用，如果没有渲染完成，此时的 DOM 树是不完整的，这样在调用一些 JavaScript 代码时就可能报出"undefined"错误。</a:t>
             </a:r>
             <a:endParaRPr lang="en-US" altLang="zh-CN" sz="1600">
               <a:latin typeface="宋体" panose="02010600030101010101" pitchFamily="2" charset="-122"/>
@@ -9895,46 +10127,30 @@
                 <a:latin typeface="宋体" panose="02010600030101010101" pitchFamily="2" charset="-122"/>
                 <a:ea typeface="宋体" panose="02010600030101010101" pitchFamily="2" charset="-122"/>
                 <a:cs typeface="宋体" panose="02010600030101010101" pitchFamily="2" charset="-122"/>
-              </a:rPr>
-              <a:t>为什么使用 window.onload()?</a:t>
-            </a:r>
-            <a:endParaRPr lang="en-US" altLang="zh-CN" sz="1600">
-              <a:latin typeface="宋体" panose="02010600030101010101" pitchFamily="2" charset="-122"/>
-              <a:ea typeface="宋体" panose="02010600030101010101" pitchFamily="2" charset="-122"/>
-              <a:cs typeface="宋体" panose="02010600030101010101" pitchFamily="2" charset="-122"/>
-            </a:endParaRPr>
-          </a:p>
-          <a:p>
-            <a:r>
-              <a:rPr lang="en-US" altLang="zh-CN" sz="1600">
-                <a:latin typeface="宋体" panose="02010600030101010101" pitchFamily="2" charset="-122"/>
-                <a:ea typeface="宋体" panose="02010600030101010101" pitchFamily="2" charset="-122"/>
-                <a:cs typeface="宋体" panose="02010600030101010101" pitchFamily="2" charset="-122"/>
-              </a:rPr>
-              <a:t>因为 JavaScript 中的函数方法需要在 HTML 文档渲染完成后才可以使用，如果没有渲染完成，此时的 DOM 树是不完整的，这样在调用一些 JavaScript 代码时就可能报出"undefined"错误。</a:t>
-            </a:r>
-            <a:endParaRPr lang="en-US" altLang="zh-CN" sz="1600">
-              <a:latin typeface="宋体" panose="02010600030101010101" pitchFamily="2" charset="-122"/>
-              <a:ea typeface="宋体" panose="02010600030101010101" pitchFamily="2" charset="-122"/>
-              <a:cs typeface="宋体" panose="02010600030101010101" pitchFamily="2" charset="-122"/>
-            </a:endParaRPr>
-          </a:p>
-          <a:p>
-            <a:endParaRPr lang="en-US" altLang="zh-CN" sz="1600">
-              <a:latin typeface="宋体" panose="02010600030101010101" pitchFamily="2" charset="-122"/>
-              <a:ea typeface="宋体" panose="02010600030101010101" pitchFamily="2" charset="-122"/>
-              <a:cs typeface="宋体" panose="02010600030101010101" pitchFamily="2" charset="-122"/>
-            </a:endParaRPr>
-          </a:p>
-          <a:p>
-            <a:r>
-              <a:rPr lang="en-US" altLang="zh-CN" sz="1600">
-                <a:latin typeface="宋体" panose="02010600030101010101" pitchFamily="2" charset="-122"/>
-                <a:ea typeface="宋体" panose="02010600030101010101" pitchFamily="2" charset="-122"/>
-                <a:cs typeface="宋体" panose="02010600030101010101" pitchFamily="2" charset="-122"/>
                 <a:sym typeface="+mn-ea"/>
               </a:rPr>
-              <a:t>JS --- var、let、const三者的区别</a:t>
+              <a:t>JS --- </a:t>
+            </a:r>
+            <a:r>
+              <a:rPr lang="en-US" altLang="zh-CN" sz="1600" b="1">
+                <a:solidFill>
+                  <a:srgbClr val="FF0000"/>
+                </a:solidFill>
+                <a:latin typeface="宋体" panose="02010600030101010101" pitchFamily="2" charset="-122"/>
+                <a:ea typeface="宋体" panose="02010600030101010101" pitchFamily="2" charset="-122"/>
+                <a:cs typeface="宋体" panose="02010600030101010101" pitchFamily="2" charset="-122"/>
+                <a:sym typeface="+mn-ea"/>
+              </a:rPr>
+              <a:t>var、let、const</a:t>
+            </a:r>
+            <a:r>
+              <a:rPr lang="en-US" altLang="zh-CN" sz="1600">
+                <a:latin typeface="宋体" panose="02010600030101010101" pitchFamily="2" charset="-122"/>
+                <a:ea typeface="宋体" panose="02010600030101010101" pitchFamily="2" charset="-122"/>
+                <a:cs typeface="宋体" panose="02010600030101010101" pitchFamily="2" charset="-122"/>
+                <a:sym typeface="+mn-ea"/>
+              </a:rPr>
+              <a:t>三者的区别</a:t>
             </a:r>
             <a:endParaRPr lang="en-US" altLang="zh-CN" sz="1600">
               <a:latin typeface="宋体" panose="02010600030101010101" pitchFamily="2" charset="-122"/>
@@ -10083,7 +10299,26 @@
                 <a:ea typeface="宋体" panose="02010600030101010101" pitchFamily="2" charset="-122"/>
                 <a:cs typeface="宋体" panose="02010600030101010101" pitchFamily="2" charset="-122"/>
               </a:rPr>
-              <a:t>浏览器对象模型（Browser Object Model (BOM)）允许 JavaScript 与浏览器对话</a:t>
+              <a:t>浏览器对象模型（Browser Object Model </a:t>
+            </a:r>
+            <a:r>
+              <a:rPr lang="zh-CN" altLang="en-US" sz="1600" b="1">
+                <a:solidFill>
+                  <a:srgbClr val="FF0000"/>
+                </a:solidFill>
+                <a:latin typeface="宋体" panose="02010600030101010101" pitchFamily="2" charset="-122"/>
+                <a:ea typeface="宋体" panose="02010600030101010101" pitchFamily="2" charset="-122"/>
+                <a:cs typeface="宋体" panose="02010600030101010101" pitchFamily="2" charset="-122"/>
+              </a:rPr>
+              <a:t>(BOM)</a:t>
+            </a:r>
+            <a:r>
+              <a:rPr lang="zh-CN" altLang="en-US" sz="1600">
+                <a:latin typeface="宋体" panose="02010600030101010101" pitchFamily="2" charset="-122"/>
+                <a:ea typeface="宋体" panose="02010600030101010101" pitchFamily="2" charset="-122"/>
+                <a:cs typeface="宋体" panose="02010600030101010101" pitchFamily="2" charset="-122"/>
+              </a:rPr>
+              <a:t>）允许 JavaScript 与浏览器对话</a:t>
             </a:r>
             <a:endParaRPr lang="zh-CN" altLang="en-US" sz="1600">
               <a:latin typeface="宋体" panose="02010600030101010101" pitchFamily="2" charset="-122"/>
@@ -10115,12 +10350,23 @@
           </a:p>
           <a:p>
             <a:r>
-              <a:rPr lang="zh-CN" altLang="en-US" sz="1600">
-                <a:latin typeface="宋体" panose="02010600030101010101" pitchFamily="2" charset="-122"/>
-                <a:ea typeface="宋体" panose="02010600030101010101" pitchFamily="2" charset="-122"/>
-                <a:cs typeface="宋体" panose="02010600030101010101" pitchFamily="2" charset="-122"/>
-              </a:rPr>
-              <a:t>BOM的核心对象是window，它表示浏览器的一个实例，它也是ECMAScript规定的Globle对象，也就是说网页中任何一个对象都是在window这个对象里面的。如果有用到框架(frameset)，那么每个框架都有自己的window对象。</a:t>
+              <a:rPr lang="zh-CN" altLang="en-US" sz="1600" b="1">
+                <a:solidFill>
+                  <a:srgbClr val="FF0000"/>
+                </a:solidFill>
+                <a:latin typeface="宋体" panose="02010600030101010101" pitchFamily="2" charset="-122"/>
+                <a:ea typeface="宋体" panose="02010600030101010101" pitchFamily="2" charset="-122"/>
+                <a:cs typeface="宋体" panose="02010600030101010101" pitchFamily="2" charset="-122"/>
+              </a:rPr>
+              <a:t>BOM的核心对象是window</a:t>
+            </a:r>
+            <a:r>
+              <a:rPr lang="zh-CN" altLang="en-US" sz="1600">
+                <a:latin typeface="宋体" panose="02010600030101010101" pitchFamily="2" charset="-122"/>
+                <a:ea typeface="宋体" panose="02010600030101010101" pitchFamily="2" charset="-122"/>
+                <a:cs typeface="宋体" panose="02010600030101010101" pitchFamily="2" charset="-122"/>
+              </a:rPr>
+              <a:t>，它表示浏览器的一个实例，它也是ECMAScript规定的Globle对象，也就是说网页中任何一个对象都是在window这个对象里面的。如果有用到框架(frameset)，那么每个框架都有自己的window对象。</a:t>
             </a:r>
             <a:endParaRPr lang="zh-CN" altLang="en-US" sz="1600">
               <a:latin typeface="宋体" panose="02010600030101010101" pitchFamily="2" charset="-122"/>
